--- a/lectures/6/Designing the Data Collection Form for Communication Data.pptx
+++ b/lectures/6/Designing the Data Collection Form for Communication Data.pptx
@@ -1034,7 +1034,7 @@
           <a:p>
             <a:fld id="{73B2889B-A0AC-4482-8592-5C96F2309420}" type="datetimeFigureOut">
               <a:rPr lang="en-US" smtClean="0"/>
-              <a:t>8/13/2021</a:t>
+              <a:t>8/27/2021</a:t>
             </a:fld>
             <a:endParaRPr lang="en-US"/>
           </a:p>
@@ -1211,7 +1211,7 @@
           <a:p>
             <a:fld id="{830EB223-FFC0-462A-A3B8-EAA7CE0F8CBD}" type="datetimeFigureOut">
               <a:rPr lang="en-US" smtClean="0"/>
-              <a:t>8/13/2021</a:t>
+              <a:t>8/27/2021</a:t>
             </a:fld>
             <a:endParaRPr lang="en-US" dirty="0"/>
           </a:p>
@@ -2194,7 +2194,7 @@
           <a:p>
             <a:fld id="{DECF21A4-E71B-4D3A-AF45-E989C23A7BB1}" type="datetimeFigureOut">
               <a:rPr lang="en-US" smtClean="0"/>
-              <a:t>8/13/2021</a:t>
+              <a:t>8/27/2021</a:t>
             </a:fld>
             <a:endParaRPr lang="en-US" dirty="0"/>
           </a:p>
@@ -2392,7 +2392,7 @@
           <a:p>
             <a:fld id="{DECF21A4-E71B-4D3A-AF45-E989C23A7BB1}" type="datetimeFigureOut">
               <a:rPr lang="en-US" smtClean="0"/>
-              <a:t>8/13/2021</a:t>
+              <a:t>8/27/2021</a:t>
             </a:fld>
             <a:endParaRPr lang="en-US" dirty="0"/>
           </a:p>
@@ -2600,7 +2600,7 @@
           <a:p>
             <a:fld id="{DECF21A4-E71B-4D3A-AF45-E989C23A7BB1}" type="datetimeFigureOut">
               <a:rPr lang="en-US" smtClean="0"/>
-              <a:t>8/13/2021</a:t>
+              <a:t>8/27/2021</a:t>
             </a:fld>
             <a:endParaRPr lang="en-US" dirty="0"/>
           </a:p>
@@ -2798,7 +2798,7 @@
           <a:p>
             <a:fld id="{DECF21A4-E71B-4D3A-AF45-E989C23A7BB1}" type="datetimeFigureOut">
               <a:rPr lang="en-US" smtClean="0"/>
-              <a:t>8/13/2021</a:t>
+              <a:t>8/27/2021</a:t>
             </a:fld>
             <a:endParaRPr lang="en-US" dirty="0"/>
           </a:p>
@@ -3073,7 +3073,7 @@
           <a:p>
             <a:fld id="{DECF21A4-E71B-4D3A-AF45-E989C23A7BB1}" type="datetimeFigureOut">
               <a:rPr lang="en-US" smtClean="0"/>
-              <a:t>8/13/2021</a:t>
+              <a:t>8/27/2021</a:t>
             </a:fld>
             <a:endParaRPr lang="en-US" dirty="0"/>
           </a:p>
@@ -3338,7 +3338,7 @@
           <a:p>
             <a:fld id="{DECF21A4-E71B-4D3A-AF45-E989C23A7BB1}" type="datetimeFigureOut">
               <a:rPr lang="en-US" smtClean="0"/>
-              <a:t>8/13/2021</a:t>
+              <a:t>8/27/2021</a:t>
             </a:fld>
             <a:endParaRPr lang="en-US" dirty="0"/>
           </a:p>
@@ -3750,7 +3750,7 @@
           <a:p>
             <a:fld id="{DECF21A4-E71B-4D3A-AF45-E989C23A7BB1}" type="datetimeFigureOut">
               <a:rPr lang="en-US" smtClean="0"/>
-              <a:t>8/13/2021</a:t>
+              <a:t>8/27/2021</a:t>
             </a:fld>
             <a:endParaRPr lang="en-US" dirty="0"/>
           </a:p>
@@ -3891,7 +3891,7 @@
           <a:p>
             <a:fld id="{DECF21A4-E71B-4D3A-AF45-E989C23A7BB1}" type="datetimeFigureOut">
               <a:rPr lang="en-US" smtClean="0"/>
-              <a:t>8/13/2021</a:t>
+              <a:t>8/27/2021</a:t>
             </a:fld>
             <a:endParaRPr lang="en-US" dirty="0"/>
           </a:p>
@@ -4004,7 +4004,7 @@
           <a:p>
             <a:fld id="{DECF21A4-E71B-4D3A-AF45-E989C23A7BB1}" type="datetimeFigureOut">
               <a:rPr lang="en-US" smtClean="0"/>
-              <a:t>8/13/2021</a:t>
+              <a:t>8/27/2021</a:t>
             </a:fld>
             <a:endParaRPr lang="en-US" dirty="0"/>
           </a:p>
@@ -4315,7 +4315,7 @@
           <a:p>
             <a:fld id="{DECF21A4-E71B-4D3A-AF45-E989C23A7BB1}" type="datetimeFigureOut">
               <a:rPr lang="en-US" smtClean="0"/>
-              <a:t>8/13/2021</a:t>
+              <a:t>8/27/2021</a:t>
             </a:fld>
             <a:endParaRPr lang="en-US" dirty="0"/>
           </a:p>
@@ -4607,7 +4607,7 @@
           <a:p>
             <a:fld id="{DECF21A4-E71B-4D3A-AF45-E989C23A7BB1}" type="datetimeFigureOut">
               <a:rPr lang="en-US" smtClean="0"/>
-              <a:t>8/13/2021</a:t>
+              <a:t>8/27/2021</a:t>
             </a:fld>
             <a:endParaRPr lang="en-US" dirty="0"/>
           </a:p>
@@ -4848,7 +4848,7 @@
           <a:p>
             <a:fld id="{DECF21A4-E71B-4D3A-AF45-E989C23A7BB1}" type="datetimeFigureOut">
               <a:rPr lang="en-US" smtClean="0"/>
-              <a:t>8/13/2021</a:t>
+              <a:t>8/27/2021</a:t>
             </a:fld>
             <a:endParaRPr lang="en-US" dirty="0"/>
           </a:p>
@@ -6743,8 +6743,8 @@
           </a:p>
         </p:txBody>
       </p:sp>
-      <mc:AlternateContent xmlns:mc="http://schemas.openxmlformats.org/markup-compatibility/2006">
-        <mc:Choice xmlns:a14="http://schemas.microsoft.com/office/drawing/2010/main" Requires="a14">
+      <mc:AlternateContent xmlns:mc="http://schemas.openxmlformats.org/markup-compatibility/2006" xmlns:a14="http://schemas.microsoft.com/office/drawing/2010/main">
+        <mc:Choice Requires="a14">
           <p:sp>
             <p:nvSpPr>
               <p:cNvPr id="3" name="Content Placeholder 2">
@@ -6838,7 +6838,7 @@
             </p:txBody>
           </p:sp>
         </mc:Choice>
-        <mc:Fallback>
+        <mc:Fallback xmlns="">
           <p:sp>
             <p:nvSpPr>
               <p:cNvPr id="3" name="Content Placeholder 2">
@@ -11542,15 +11542,15 @@
           <a:p>
             <a:r>
               <a:rPr lang="en-US" dirty="0"/>
-              <a:t>Good cover letters and scripts are NOT written </a:t>
-            </a:r>
-            <a:r>
-              <a:rPr lang="en-US" dirty="0" err="1"/>
-              <a:t>ina</a:t>
-            </a:r>
-            <a:r>
-              <a:rPr lang="en-US" dirty="0"/>
-              <a:t>  hurry </a:t>
+              <a:t>Good cover letters and scripts are NOT </a:t>
+            </a:r>
+            <a:r>
+              <a:rPr lang="en-US"/>
+              <a:t>written in a </a:t>
+            </a:r>
+            <a:r>
+              <a:rPr lang="en-US" dirty="0"/>
+              <a:t>hurry </a:t>
             </a:r>
           </a:p>
           <a:p>
@@ -12721,8 +12721,8 @@
           </a:p>
         </p:txBody>
       </p:sp>
-      <mc:AlternateContent xmlns:mc="http://schemas.openxmlformats.org/markup-compatibility/2006">
-        <mc:Choice xmlns:a14="http://schemas.microsoft.com/office/drawing/2010/main" Requires="a14">
+      <mc:AlternateContent xmlns:mc="http://schemas.openxmlformats.org/markup-compatibility/2006" xmlns:a14="http://schemas.microsoft.com/office/drawing/2010/main">
+        <mc:Choice Requires="a14">
           <p:sp>
             <p:nvSpPr>
               <p:cNvPr id="3" name="Content Placeholder 2">
@@ -13418,7 +13418,7 @@
             </p:txBody>
           </p:sp>
         </mc:Choice>
-        <mc:Fallback>
+        <mc:Fallback xmlns="">
           <p:sp>
             <p:nvSpPr>
               <p:cNvPr id="3" name="Content Placeholder 2">
@@ -14399,15 +14399,6 @@
 </file>
 
 <file path=customXml/item2.xml><?xml version="1.0" encoding="utf-8"?>
-<?mso-contentType ?>
-<FormTemplates xmlns="http://schemas.microsoft.com/sharepoint/v3/contenttype/forms">
-  <Display>DocumentLibraryForm</Display>
-  <Edit>DocumentLibraryForm</Edit>
-  <New>DocumentLibraryForm</New>
-</FormTemplates>
-</file>
-
-<file path=customXml/item3.xml><?xml version="1.0" encoding="utf-8"?>
 <ct:contentTypeSchema xmlns:ct="http://schemas.microsoft.com/office/2006/metadata/contentType" xmlns:ma="http://schemas.microsoft.com/office/2006/metadata/properties/metaAttributes" ct:_="" ma:_="" ma:contentTypeName="Document" ma:contentTypeID="0x01010079F111ED35F8CC479449609E8A0923A6" ma:contentTypeVersion="11" ma:contentTypeDescription="Create a new document." ma:contentTypeScope="" ma:versionID="96291512c1ee715ab617f4c07df79fc1">
   <xsd:schema xmlns:xsd="http://www.w3.org/2001/XMLSchema" xmlns:xs="http://www.w3.org/2001/XMLSchema" xmlns:p="http://schemas.microsoft.com/office/2006/metadata/properties" xmlns:ns2="71af3243-3dd4-4a8d-8c0d-dd76da1f02a5" xmlns:ns3="16c05727-aa75-4e4a-9b5f-8a80a1165891" targetNamespace="http://schemas.microsoft.com/office/2006/metadata/properties" ma:root="true" ma:fieldsID="8256c27c40ca5c40ce1cf6c44f0205df" ns2:_="" ns3:_="">
     <xsd:import namespace="71af3243-3dd4-4a8d-8c0d-dd76da1f02a5"/>
@@ -14618,6 +14609,15 @@
 </ct:contentTypeSchema>
 </file>
 
+<file path=customXml/item3.xml><?xml version="1.0" encoding="utf-8"?>
+<?mso-contentType ?>
+<FormTemplates xmlns="http://schemas.microsoft.com/sharepoint/v3/contenttype/forms">
+  <Display>DocumentLibraryForm</Display>
+  <Edit>DocumentLibraryForm</Edit>
+  <New>DocumentLibraryForm</New>
+</FormTemplates>
+</file>
+
 <file path=customXml/itemProps1.xml><?xml version="1.0" encoding="utf-8"?>
 <ds:datastoreItem xmlns:ds="http://schemas.openxmlformats.org/officeDocument/2006/customXml" ds:itemID="{03C7D9E6-B0D9-433E-BD46-EB60F64F4DA8}">
   <ds:schemaRefs>
@@ -14629,14 +14629,6 @@
 </file>
 
 <file path=customXml/itemProps2.xml><?xml version="1.0" encoding="utf-8"?>
-<ds:datastoreItem xmlns:ds="http://schemas.openxmlformats.org/officeDocument/2006/customXml" ds:itemID="{5CA875DA-F9FD-4F83-A049-3B1027B542DE}">
-  <ds:schemaRefs>
-    <ds:schemaRef ds:uri="http://schemas.microsoft.com/sharepoint/v3/contenttype/forms"/>
-  </ds:schemaRefs>
-</ds:datastoreItem>
-</file>
-
-<file path=customXml/itemProps3.xml><?xml version="1.0" encoding="utf-8"?>
 <ds:datastoreItem xmlns:ds="http://schemas.openxmlformats.org/officeDocument/2006/customXml" ds:itemID="{B2AB02E3-5ADF-4BF0-9C1B-35CDF3FE95B0}">
   <ds:schemaRefs>
     <ds:schemaRef ds:uri="http://schemas.microsoft.com/office/2006/metadata/contentType"/>
@@ -14653,4 +14645,12 @@
     <ds:schemaRef ds:uri="http://schemas.microsoft.com/internal/obd"/>
   </ds:schemaRefs>
 </ds:datastoreItem>
+</file>
+
+<file path=customXml/itemProps3.xml><?xml version="1.0" encoding="utf-8"?>
+<ds:datastoreItem xmlns:ds="http://schemas.openxmlformats.org/officeDocument/2006/customXml" ds:itemID="{5CA875DA-F9FD-4F83-A049-3B1027B542DE}">
+  <ds:schemaRefs>
+    <ds:schemaRef ds:uri="http://schemas.microsoft.com/sharepoint/v3/contenttype/forms"/>
+  </ds:schemaRefs>
+</ds:datastoreItem>
 </file>